--- a/Introduction_to_TextAnalysis/Slides/TextAnalysis_Day1.pptx
+++ b/Introduction_to_TextAnalysis/Slides/TextAnalysis_Day1.pptx
@@ -210,7 +210,7 @@
           <a:p>
             <a:fld id="{D9B77541-DA11-9644-9F01-190C20B2CA4A}" type="datetimeFigureOut">
               <a:rPr lang="en-US" smtClean="0"/>
-              <a:t>2/11/24</a:t>
+              <a:t>2/12/24</a:t>
             </a:fld>
             <a:endParaRPr lang="en-US"/>
           </a:p>
@@ -990,7 +990,7 @@
           <a:p>
             <a:fld id="{A8BC8C9D-4C8E-3846-8CD8-0E10CA42D3FC}" type="datetimeFigureOut">
               <a:rPr lang="en-US" smtClean="0"/>
-              <a:t>2/11/24</a:t>
+              <a:t>2/12/24</a:t>
             </a:fld>
             <a:endParaRPr lang="en-US"/>
           </a:p>
@@ -1188,7 +1188,7 @@
           <a:p>
             <a:fld id="{A8BC8C9D-4C8E-3846-8CD8-0E10CA42D3FC}" type="datetimeFigureOut">
               <a:rPr lang="en-US" smtClean="0"/>
-              <a:t>2/11/24</a:t>
+              <a:t>2/12/24</a:t>
             </a:fld>
             <a:endParaRPr lang="en-US"/>
           </a:p>
@@ -1396,7 +1396,7 @@
           <a:p>
             <a:fld id="{A8BC8C9D-4C8E-3846-8CD8-0E10CA42D3FC}" type="datetimeFigureOut">
               <a:rPr lang="en-US" smtClean="0"/>
-              <a:t>2/11/24</a:t>
+              <a:t>2/12/24</a:t>
             </a:fld>
             <a:endParaRPr lang="en-US"/>
           </a:p>
@@ -1594,7 +1594,7 @@
           <a:p>
             <a:fld id="{A8BC8C9D-4C8E-3846-8CD8-0E10CA42D3FC}" type="datetimeFigureOut">
               <a:rPr lang="en-US" smtClean="0"/>
-              <a:t>2/11/24</a:t>
+              <a:t>2/12/24</a:t>
             </a:fld>
             <a:endParaRPr lang="en-US"/>
           </a:p>
@@ -1869,7 +1869,7 @@
           <a:p>
             <a:fld id="{A8BC8C9D-4C8E-3846-8CD8-0E10CA42D3FC}" type="datetimeFigureOut">
               <a:rPr lang="en-US" smtClean="0"/>
-              <a:t>2/11/24</a:t>
+              <a:t>2/12/24</a:t>
             </a:fld>
             <a:endParaRPr lang="en-US"/>
           </a:p>
@@ -2134,7 +2134,7 @@
           <a:p>
             <a:fld id="{A8BC8C9D-4C8E-3846-8CD8-0E10CA42D3FC}" type="datetimeFigureOut">
               <a:rPr lang="en-US" smtClean="0"/>
-              <a:t>2/11/24</a:t>
+              <a:t>2/12/24</a:t>
             </a:fld>
             <a:endParaRPr lang="en-US"/>
           </a:p>
@@ -2546,7 +2546,7 @@
           <a:p>
             <a:fld id="{A8BC8C9D-4C8E-3846-8CD8-0E10CA42D3FC}" type="datetimeFigureOut">
               <a:rPr lang="en-US" smtClean="0"/>
-              <a:t>2/11/24</a:t>
+              <a:t>2/12/24</a:t>
             </a:fld>
             <a:endParaRPr lang="en-US"/>
           </a:p>
@@ -2687,7 +2687,7 @@
           <a:p>
             <a:fld id="{A8BC8C9D-4C8E-3846-8CD8-0E10CA42D3FC}" type="datetimeFigureOut">
               <a:rPr lang="en-US" smtClean="0"/>
-              <a:t>2/11/24</a:t>
+              <a:t>2/12/24</a:t>
             </a:fld>
             <a:endParaRPr lang="en-US"/>
           </a:p>
@@ -2800,7 +2800,7 @@
           <a:p>
             <a:fld id="{A8BC8C9D-4C8E-3846-8CD8-0E10CA42D3FC}" type="datetimeFigureOut">
               <a:rPr lang="en-US" smtClean="0"/>
-              <a:t>2/11/24</a:t>
+              <a:t>2/12/24</a:t>
             </a:fld>
             <a:endParaRPr lang="en-US"/>
           </a:p>
@@ -3111,7 +3111,7 @@
           <a:p>
             <a:fld id="{A8BC8C9D-4C8E-3846-8CD8-0E10CA42D3FC}" type="datetimeFigureOut">
               <a:rPr lang="en-US" smtClean="0"/>
-              <a:t>2/11/24</a:t>
+              <a:t>2/12/24</a:t>
             </a:fld>
             <a:endParaRPr lang="en-US"/>
           </a:p>
@@ -3399,7 +3399,7 @@
           <a:p>
             <a:fld id="{A8BC8C9D-4C8E-3846-8CD8-0E10CA42D3FC}" type="datetimeFigureOut">
               <a:rPr lang="en-US" smtClean="0"/>
-              <a:t>2/11/24</a:t>
+              <a:t>2/12/24</a:t>
             </a:fld>
             <a:endParaRPr lang="en-US"/>
           </a:p>
@@ -3640,7 +3640,7 @@
           <a:p>
             <a:fld id="{A8BC8C9D-4C8E-3846-8CD8-0E10CA42D3FC}" type="datetimeFigureOut">
               <a:rPr lang="en-US" smtClean="0"/>
-              <a:t>2/11/24</a:t>
+              <a:t>2/12/24</a:t>
             </a:fld>
             <a:endParaRPr lang="en-US"/>
           </a:p>
@@ -5044,7 +5044,9 @@
         </p:nvSpPr>
         <p:spPr/>
         <p:txBody>
-          <a:bodyPr/>
+          <a:bodyPr>
+            <a:normAutofit fontScale="92500" lnSpcReduction="20000"/>
+          </a:bodyPr>
           <a:lstStyle/>
           <a:p>
             <a:r>
@@ -5091,6 +5093,34 @@
               </a:rPr>
               <a:t>https://colab.research.google.com/drive/1RxcNLqLsAxl25CBdaRcdBtTFUKorCF1T?usp=sharing</a:t>
             </a:r>
+            <a:br>
+              <a:rPr lang="en-US" dirty="0">
+                <a:latin typeface="LM Roman 10" pitchFamily="2" charset="77"/>
+              </a:rPr>
+            </a:br>
+            <a:endParaRPr lang="en-US" dirty="0">
+              <a:latin typeface="LM Roman 10" pitchFamily="2" charset="77"/>
+            </a:endParaRPr>
+          </a:p>
+          <a:p>
+            <a:r>
+              <a:rPr lang="en-US" dirty="0">
+                <a:latin typeface="LM Roman 10" pitchFamily="2" charset="77"/>
+              </a:rPr>
+              <a:t>Workshop folder is here: </a:t>
+            </a:r>
+            <a:r>
+              <a:rPr lang="en-US" dirty="0">
+                <a:latin typeface="LM Roman 10" pitchFamily="2" charset="77"/>
+                <a:hlinkClick r:id="rId4"/>
+              </a:rPr>
+              <a:t>https://github.com/IshitaGopal/TRIADS_workshops</a:t>
+            </a:r>
+            <a:br>
+              <a:rPr lang="en-US" dirty="0">
+                <a:latin typeface="LM Roman 10" pitchFamily="2" charset="77"/>
+              </a:rPr>
+            </a:br>
             <a:endParaRPr lang="en-US" dirty="0">
               <a:latin typeface="LM Roman 10" pitchFamily="2" charset="77"/>
             </a:endParaRPr>
